--- a/pptx/TULIP0A.pptx
+++ b/pptx/TULIP0A.pptx
@@ -113,7 +113,7 @@
   </p:defaultTextStyle>
   <p:extLst>
     <p:ext uri="{EFAFB233-063F-42B5-8137-9DF3F51BA10A}">
-      <p15:sldGuideLst xmlns="" xmlns:p15="http://schemas.microsoft.com/office/powerpoint/2012/main">
+      <p15:sldGuideLst xmlns:p15="http://schemas.microsoft.com/office/powerpoint/2012/main">
         <p15:guide id="1" orient="horz" pos="2160">
           <p15:clr>
             <a:srgbClr val="A4A3A4"/>
@@ -127,7 +127,7 @@
       </p15:sldGuideLst>
     </p:ext>
     <p:ext uri="{2D200454-40CA-4A62-9FC3-DE9A4176ACB9}">
-      <p15:notesGuideLst xmlns="" xmlns:p15="http://schemas.microsoft.com/office/powerpoint/2012/main">
+      <p15:notesGuideLst xmlns:p15="http://schemas.microsoft.com/office/powerpoint/2012/main">
         <p15:guide id="1" orient="horz" pos="2880">
           <p15:clr>
             <a:srgbClr val="A4A3A4"/>
@@ -226,7 +226,7 @@
           <a:p>
             <a:fld id="{4EBD6D7F-0E41-4AA8-BB5D-9F0C1BDD1FC7}" type="datetimeFigureOut">
               <a:rPr lang="en-US" smtClean="0"/>
-              <a:t>12/21/2015</a:t>
+              <a:t>8/19/2020</a:t>
             </a:fld>
             <a:endParaRPr lang="en-US"/>
           </a:p>
@@ -391,7 +391,7 @@
           <a:p>
             <a:fld id="{62AEFF81-1C7B-4BA7-A461-86BF0FA45044}" type="datetimeFigureOut">
               <a:rPr lang="en-US" smtClean="0"/>
-              <a:t>12/21/2015</a:t>
+              <a:t>8/19/2020</a:t>
             </a:fld>
             <a:endParaRPr lang="en-US"/>
           </a:p>
@@ -887,8 +887,8 @@
         </p:blipFill>
         <p:spPr>
           <a:xfrm>
-            <a:off x="7898296" y="108737"/>
-            <a:ext cx="984154" cy="951437"/>
+            <a:off x="7914018" y="108737"/>
+            <a:ext cx="952710" cy="951437"/>
           </a:xfrm>
           <a:prstGeom prst="rect">
             <a:avLst/>
@@ -4700,8 +4700,8 @@
         </p:blipFill>
         <p:spPr>
           <a:xfrm>
-            <a:off x="7898296" y="108737"/>
-            <a:ext cx="984154" cy="951437"/>
+            <a:off x="7914018" y="108737"/>
+            <a:ext cx="952710" cy="951437"/>
           </a:xfrm>
           <a:prstGeom prst="rect">
             <a:avLst/>

--- a/pptx/TULIP0A.pptx
+++ b/pptx/TULIP0A.pptx
@@ -226,7 +226,7 @@
           <a:p>
             <a:fld id="{4EBD6D7F-0E41-4AA8-BB5D-9F0C1BDD1FC7}" type="datetimeFigureOut">
               <a:rPr lang="en-US" smtClean="0"/>
-              <a:t>8/19/2020</a:t>
+              <a:t>8/20/2020</a:t>
             </a:fld>
             <a:endParaRPr lang="en-US"/>
           </a:p>
@@ -391,7 +391,7 @@
           <a:p>
             <a:fld id="{62AEFF81-1C7B-4BA7-A461-86BF0FA45044}" type="datetimeFigureOut">
               <a:rPr lang="en-US" smtClean="0"/>
-              <a:t>8/19/2020</a:t>
+              <a:t>8/20/2020</a:t>
             </a:fld>
             <a:endParaRPr lang="en-US"/>
           </a:p>
@@ -887,8 +887,8 @@
         </p:blipFill>
         <p:spPr>
           <a:xfrm>
-            <a:off x="7914018" y="108737"/>
-            <a:ext cx="952710" cy="951437"/>
+            <a:off x="7740352" y="-23257"/>
+            <a:ext cx="1262411" cy="1262411"/>
           </a:xfrm>
           <a:prstGeom prst="rect">
             <a:avLst/>
@@ -4700,8 +4700,8 @@
         </p:blipFill>
         <p:spPr>
           <a:xfrm>
-            <a:off x="7914018" y="108737"/>
-            <a:ext cx="952710" cy="951437"/>
+            <a:off x="7740000" y="-25200"/>
+            <a:ext cx="1263600" cy="1263600"/>
           </a:xfrm>
           <a:prstGeom prst="rect">
             <a:avLst/>
